--- a/figures/figures.pptx
+++ b/figures/figures.pptx
@@ -197,7 +197,7 @@
           <a:p>
             <a:fld id="{83C39EC2-D90B-2940-988C-6CDB91F4750A}" type="datetimeFigureOut">
               <a:rPr lang="en-US" smtClean="0"/>
-              <a:t>11/4/19</a:t>
+              <a:t>11/22/19</a:t>
             </a:fld>
             <a:endParaRPr lang="en-US"/>
           </a:p>
@@ -702,7 +702,7 @@
           <a:p>
             <a:fld id="{A119A81C-44B9-D145-99DB-7EC8F4ADF9B2}" type="datetimeFigureOut">
               <a:rPr lang="en-US" smtClean="0"/>
-              <a:t>11/4/19</a:t>
+              <a:t>11/22/19</a:t>
             </a:fld>
             <a:endParaRPr lang="en-US"/>
           </a:p>
@@ -900,7 +900,7 @@
           <a:p>
             <a:fld id="{A119A81C-44B9-D145-99DB-7EC8F4ADF9B2}" type="datetimeFigureOut">
               <a:rPr lang="en-US" smtClean="0"/>
-              <a:t>11/4/19</a:t>
+              <a:t>11/22/19</a:t>
             </a:fld>
             <a:endParaRPr lang="en-US"/>
           </a:p>
@@ -1108,7 +1108,7 @@
           <a:p>
             <a:fld id="{A119A81C-44B9-D145-99DB-7EC8F4ADF9B2}" type="datetimeFigureOut">
               <a:rPr lang="en-US" smtClean="0"/>
-              <a:t>11/4/19</a:t>
+              <a:t>11/22/19</a:t>
             </a:fld>
             <a:endParaRPr lang="en-US"/>
           </a:p>
@@ -1306,7 +1306,7 @@
           <a:p>
             <a:fld id="{A119A81C-44B9-D145-99DB-7EC8F4ADF9B2}" type="datetimeFigureOut">
               <a:rPr lang="en-US" smtClean="0"/>
-              <a:t>11/4/19</a:t>
+              <a:t>11/22/19</a:t>
             </a:fld>
             <a:endParaRPr lang="en-US"/>
           </a:p>
@@ -1581,7 +1581,7 @@
           <a:p>
             <a:fld id="{A119A81C-44B9-D145-99DB-7EC8F4ADF9B2}" type="datetimeFigureOut">
               <a:rPr lang="en-US" smtClean="0"/>
-              <a:t>11/4/19</a:t>
+              <a:t>11/22/19</a:t>
             </a:fld>
             <a:endParaRPr lang="en-US"/>
           </a:p>
@@ -1846,7 +1846,7 @@
           <a:p>
             <a:fld id="{A119A81C-44B9-D145-99DB-7EC8F4ADF9B2}" type="datetimeFigureOut">
               <a:rPr lang="en-US" smtClean="0"/>
-              <a:t>11/4/19</a:t>
+              <a:t>11/22/19</a:t>
             </a:fld>
             <a:endParaRPr lang="en-US"/>
           </a:p>
@@ -2258,7 +2258,7 @@
           <a:p>
             <a:fld id="{A119A81C-44B9-D145-99DB-7EC8F4ADF9B2}" type="datetimeFigureOut">
               <a:rPr lang="en-US" smtClean="0"/>
-              <a:t>11/4/19</a:t>
+              <a:t>11/22/19</a:t>
             </a:fld>
             <a:endParaRPr lang="en-US"/>
           </a:p>
@@ -2399,7 +2399,7 @@
           <a:p>
             <a:fld id="{A119A81C-44B9-D145-99DB-7EC8F4ADF9B2}" type="datetimeFigureOut">
               <a:rPr lang="en-US" smtClean="0"/>
-              <a:t>11/4/19</a:t>
+              <a:t>11/22/19</a:t>
             </a:fld>
             <a:endParaRPr lang="en-US"/>
           </a:p>
@@ -2512,7 +2512,7 @@
           <a:p>
             <a:fld id="{A119A81C-44B9-D145-99DB-7EC8F4ADF9B2}" type="datetimeFigureOut">
               <a:rPr lang="en-US" smtClean="0"/>
-              <a:t>11/4/19</a:t>
+              <a:t>11/22/19</a:t>
             </a:fld>
             <a:endParaRPr lang="en-US"/>
           </a:p>
@@ -2823,7 +2823,7 @@
           <a:p>
             <a:fld id="{A119A81C-44B9-D145-99DB-7EC8F4ADF9B2}" type="datetimeFigureOut">
               <a:rPr lang="en-US" smtClean="0"/>
-              <a:t>11/4/19</a:t>
+              <a:t>11/22/19</a:t>
             </a:fld>
             <a:endParaRPr lang="en-US"/>
           </a:p>
@@ -3111,7 +3111,7 @@
           <a:p>
             <a:fld id="{A119A81C-44B9-D145-99DB-7EC8F4ADF9B2}" type="datetimeFigureOut">
               <a:rPr lang="en-US" smtClean="0"/>
-              <a:t>11/4/19</a:t>
+              <a:t>11/22/19</a:t>
             </a:fld>
             <a:endParaRPr lang="en-US"/>
           </a:p>
@@ -3352,7 +3352,7 @@
           <a:p>
             <a:fld id="{A119A81C-44B9-D145-99DB-7EC8F4ADF9B2}" type="datetimeFigureOut">
               <a:rPr lang="en-US" smtClean="0"/>
-              <a:t>11/4/19</a:t>
+              <a:t>11/22/19</a:t>
             </a:fld>
             <a:endParaRPr lang="en-US"/>
           </a:p>
@@ -4031,8 +4031,8 @@
         </p:nvSpPr>
         <p:spPr>
           <a:xfrm>
-            <a:off x="296556" y="617112"/>
-            <a:ext cx="798616" cy="584775"/>
+            <a:off x="96984" y="617112"/>
+            <a:ext cx="1197764" cy="584775"/>
           </a:xfrm>
           <a:prstGeom prst="rect">
             <a:avLst/>
@@ -4050,7 +4050,7 @@
               <a:rPr lang="en-US" sz="1600" dirty="0">
                 <a:latin typeface="Helvetica" pitchFamily="2" charset="0"/>
               </a:rPr>
-              <a:t>Failed </a:t>
+              <a:t>Input</a:t>
             </a:r>
             <a:br>
               <a:rPr lang="en-US" sz="1600" dirty="0">
@@ -4061,7 +4061,7 @@
               <a:rPr lang="en-US" sz="1600" dirty="0">
                 <a:latin typeface="Helvetica" pitchFamily="2" charset="0"/>
               </a:rPr>
-              <a:t>Proofs</a:t>
+              <a:t>Expression</a:t>
             </a:r>
           </a:p>
         </p:txBody>

--- a/figures/figures.pptx
+++ b/figures/figures.pptx
@@ -5,10 +5,11 @@
     <p:sldMasterId id="2147483648" r:id="rId1"/>
   </p:sldMasterIdLst>
   <p:notesMasterIdLst>
-    <p:notesMasterId r:id="rId3"/>
+    <p:notesMasterId r:id="rId4"/>
   </p:notesMasterIdLst>
   <p:sldIdLst>
     <p:sldId id="256" r:id="rId2"/>
+    <p:sldId id="257" r:id="rId3"/>
   </p:sldIdLst>
   <p:sldSz cx="12192000" cy="6858000"/>
   <p:notesSz cx="6858000" cy="9144000"/>
@@ -197,7 +198,7 @@
           <a:p>
             <a:fld id="{83C39EC2-D90B-2940-988C-6CDB91F4750A}" type="datetimeFigureOut">
               <a:rPr lang="en-US" smtClean="0"/>
-              <a:t>11/22/19</a:t>
+              <a:t>5/14/20</a:t>
             </a:fld>
             <a:endParaRPr lang="en-US"/>
           </a:p>
@@ -555,6 +556,97 @@
 </p:notes>
 </file>
 
+<file path=ppt/notesSlides/notesSlide2.xml><?xml version="1.0" encoding="utf-8"?>
+<p:notes xmlns:a="http://schemas.openxmlformats.org/drawingml/2006/main" xmlns:r="http://schemas.openxmlformats.org/officeDocument/2006/relationships" xmlns:p="http://schemas.openxmlformats.org/presentationml/2006/main">
+  <p:cSld>
+    <p:spTree>
+      <p:nvGrpSpPr>
+        <p:cNvPr id="1" name=""/>
+        <p:cNvGrpSpPr/>
+        <p:nvPr/>
+      </p:nvGrpSpPr>
+      <p:grpSpPr>
+        <a:xfrm>
+          <a:off x="0" y="0"/>
+          <a:ext cx="0" cy="0"/>
+          <a:chOff x="0" y="0"/>
+          <a:chExt cx="0" cy="0"/>
+        </a:xfrm>
+      </p:grpSpPr>
+      <p:sp>
+        <p:nvSpPr>
+          <p:cNvPr id="2" name="Slide Image Placeholder 1"/>
+          <p:cNvSpPr>
+            <a:spLocks noGrp="1" noRot="1" noChangeAspect="1"/>
+          </p:cNvSpPr>
+          <p:nvPr>
+            <p:ph type="sldImg"/>
+          </p:nvPr>
+        </p:nvSpPr>
+        <p:spPr/>
+      </p:sp>
+      <p:sp>
+        <p:nvSpPr>
+          <p:cNvPr id="3" name="Notes Placeholder 2"/>
+          <p:cNvSpPr>
+            <a:spLocks noGrp="1"/>
+          </p:cNvSpPr>
+          <p:nvPr>
+            <p:ph type="body" idx="1"/>
+          </p:nvPr>
+        </p:nvSpPr>
+        <p:spPr/>
+        <p:txBody>
+          <a:bodyPr/>
+          <a:lstStyle/>
+          <a:p>
+            <a:r>
+              <a:rPr lang="en-US" dirty="0"/>
+              <a:t>Synthesis-</a:t>
+            </a:r>
+            <a:r>
+              <a:rPr lang="en-US"/>
+              <a:t>flow.pdf</a:t>
+            </a:r>
+          </a:p>
+        </p:txBody>
+      </p:sp>
+      <p:sp>
+        <p:nvSpPr>
+          <p:cNvPr id="4" name="Slide Number Placeholder 3"/>
+          <p:cNvSpPr>
+            <a:spLocks noGrp="1"/>
+          </p:cNvSpPr>
+          <p:nvPr>
+            <p:ph type="sldNum" sz="quarter" idx="5"/>
+          </p:nvPr>
+        </p:nvSpPr>
+        <p:spPr/>
+        <p:txBody>
+          <a:bodyPr/>
+          <a:lstStyle/>
+          <a:p>
+            <a:fld id="{29D72204-6C5E-5A4C-AB26-6F8C166CC7B2}" type="slidenum">
+              <a:rPr lang="en-US" smtClean="0"/>
+              <a:t>2</a:t>
+            </a:fld>
+            <a:endParaRPr lang="en-US"/>
+          </a:p>
+        </p:txBody>
+      </p:sp>
+    </p:spTree>
+    <p:extLst>
+      <p:ext uri="{BB962C8B-B14F-4D97-AF65-F5344CB8AC3E}">
+        <p14:creationId xmlns:p14="http://schemas.microsoft.com/office/powerpoint/2010/main" val="2112731926"/>
+      </p:ext>
+    </p:extLst>
+  </p:cSld>
+  <p:clrMapOvr>
+    <a:masterClrMapping/>
+  </p:clrMapOvr>
+</p:notes>
+</file>
+
 <file path=ppt/slideLayouts/slideLayout1.xml><?xml version="1.0" encoding="utf-8"?>
 <p:sldLayout xmlns:a="http://schemas.openxmlformats.org/drawingml/2006/main" xmlns:r="http://schemas.openxmlformats.org/officeDocument/2006/relationships" xmlns:p="http://schemas.openxmlformats.org/presentationml/2006/main" type="title" preserve="1">
   <p:cSld name="Title Slide">
@@ -702,7 +794,7 @@
           <a:p>
             <a:fld id="{A119A81C-44B9-D145-99DB-7EC8F4ADF9B2}" type="datetimeFigureOut">
               <a:rPr lang="en-US" smtClean="0"/>
-              <a:t>11/22/19</a:t>
+              <a:t>5/14/20</a:t>
             </a:fld>
             <a:endParaRPr lang="en-US"/>
           </a:p>
@@ -900,7 +992,7 @@
           <a:p>
             <a:fld id="{A119A81C-44B9-D145-99DB-7EC8F4ADF9B2}" type="datetimeFigureOut">
               <a:rPr lang="en-US" smtClean="0"/>
-              <a:t>11/22/19</a:t>
+              <a:t>5/14/20</a:t>
             </a:fld>
             <a:endParaRPr lang="en-US"/>
           </a:p>
@@ -1108,7 +1200,7 @@
           <a:p>
             <a:fld id="{A119A81C-44B9-D145-99DB-7EC8F4ADF9B2}" type="datetimeFigureOut">
               <a:rPr lang="en-US" smtClean="0"/>
-              <a:t>11/22/19</a:t>
+              <a:t>5/14/20</a:t>
             </a:fld>
             <a:endParaRPr lang="en-US"/>
           </a:p>
@@ -1306,7 +1398,7 @@
           <a:p>
             <a:fld id="{A119A81C-44B9-D145-99DB-7EC8F4ADF9B2}" type="datetimeFigureOut">
               <a:rPr lang="en-US" smtClean="0"/>
-              <a:t>11/22/19</a:t>
+              <a:t>5/14/20</a:t>
             </a:fld>
             <a:endParaRPr lang="en-US"/>
           </a:p>
@@ -1581,7 +1673,7 @@
           <a:p>
             <a:fld id="{A119A81C-44B9-D145-99DB-7EC8F4ADF9B2}" type="datetimeFigureOut">
               <a:rPr lang="en-US" smtClean="0"/>
-              <a:t>11/22/19</a:t>
+              <a:t>5/14/20</a:t>
             </a:fld>
             <a:endParaRPr lang="en-US"/>
           </a:p>
@@ -1846,7 +1938,7 @@
           <a:p>
             <a:fld id="{A119A81C-44B9-D145-99DB-7EC8F4ADF9B2}" type="datetimeFigureOut">
               <a:rPr lang="en-US" smtClean="0"/>
-              <a:t>11/22/19</a:t>
+              <a:t>5/14/20</a:t>
             </a:fld>
             <a:endParaRPr lang="en-US"/>
           </a:p>
@@ -2258,7 +2350,7 @@
           <a:p>
             <a:fld id="{A119A81C-44B9-D145-99DB-7EC8F4ADF9B2}" type="datetimeFigureOut">
               <a:rPr lang="en-US" smtClean="0"/>
-              <a:t>11/22/19</a:t>
+              <a:t>5/14/20</a:t>
             </a:fld>
             <a:endParaRPr lang="en-US"/>
           </a:p>
@@ -2399,7 +2491,7 @@
           <a:p>
             <a:fld id="{A119A81C-44B9-D145-99DB-7EC8F4ADF9B2}" type="datetimeFigureOut">
               <a:rPr lang="en-US" smtClean="0"/>
-              <a:t>11/22/19</a:t>
+              <a:t>5/14/20</a:t>
             </a:fld>
             <a:endParaRPr lang="en-US"/>
           </a:p>
@@ -2512,7 +2604,7 @@
           <a:p>
             <a:fld id="{A119A81C-44B9-D145-99DB-7EC8F4ADF9B2}" type="datetimeFigureOut">
               <a:rPr lang="en-US" smtClean="0"/>
-              <a:t>11/22/19</a:t>
+              <a:t>5/14/20</a:t>
             </a:fld>
             <a:endParaRPr lang="en-US"/>
           </a:p>
@@ -2823,7 +2915,7 @@
           <a:p>
             <a:fld id="{A119A81C-44B9-D145-99DB-7EC8F4ADF9B2}" type="datetimeFigureOut">
               <a:rPr lang="en-US" smtClean="0"/>
-              <a:t>11/22/19</a:t>
+              <a:t>5/14/20</a:t>
             </a:fld>
             <a:endParaRPr lang="en-US"/>
           </a:p>
@@ -3111,7 +3203,7 @@
           <a:p>
             <a:fld id="{A119A81C-44B9-D145-99DB-7EC8F4ADF9B2}" type="datetimeFigureOut">
               <a:rPr lang="en-US" smtClean="0"/>
-              <a:t>11/22/19</a:t>
+              <a:t>5/14/20</a:t>
             </a:fld>
             <a:endParaRPr lang="en-US"/>
           </a:p>
@@ -3352,7 +3444,7 @@
           <a:p>
             <a:fld id="{A119A81C-44B9-D145-99DB-7EC8F4ADF9B2}" type="datetimeFigureOut">
               <a:rPr lang="en-US" smtClean="0"/>
-              <a:t>11/22/19</a:t>
+              <a:t>5/14/20</a:t>
             </a:fld>
             <a:endParaRPr lang="en-US"/>
           </a:p>
@@ -4752,6 +4844,1114 @@
     <p:extLst>
       <p:ext uri="{BB962C8B-B14F-4D97-AF65-F5344CB8AC3E}">
         <p14:creationId xmlns:p14="http://schemas.microsoft.com/office/powerpoint/2010/main" val="1463596979"/>
+      </p:ext>
+    </p:extLst>
+  </p:cSld>
+  <p:clrMapOvr>
+    <a:masterClrMapping/>
+  </p:clrMapOvr>
+</p:sld>
+</file>
+
+<file path=ppt/slides/slide2.xml><?xml version="1.0" encoding="utf-8"?>
+<p:sld xmlns:a="http://schemas.openxmlformats.org/drawingml/2006/main" xmlns:r="http://schemas.openxmlformats.org/officeDocument/2006/relationships" xmlns:p="http://schemas.openxmlformats.org/presentationml/2006/main">
+  <p:cSld>
+    <p:spTree>
+      <p:nvGrpSpPr>
+        <p:cNvPr id="1" name=""/>
+        <p:cNvGrpSpPr/>
+        <p:nvPr/>
+      </p:nvGrpSpPr>
+      <p:grpSpPr>
+        <a:xfrm>
+          <a:off x="0" y="0"/>
+          <a:ext cx="0" cy="0"/>
+          <a:chOff x="0" y="0"/>
+          <a:chExt cx="0" cy="0"/>
+        </a:xfrm>
+      </p:grpSpPr>
+      <p:sp>
+        <p:nvSpPr>
+          <p:cNvPr id="34" name="TextBox 33">
+            <a:extLst>
+              <a:ext uri="{FF2B5EF4-FFF2-40B4-BE49-F238E27FC236}">
+                <a16:creationId xmlns:a16="http://schemas.microsoft.com/office/drawing/2014/main" id="{7D05F14A-03C2-4D47-8A36-A69733410684}"/>
+              </a:ext>
+            </a:extLst>
+          </p:cNvPr>
+          <p:cNvSpPr txBox="1"/>
+          <p:nvPr/>
+        </p:nvSpPr>
+        <p:spPr>
+          <a:xfrm>
+            <a:off x="6600778" y="2243175"/>
+            <a:ext cx="888449" cy="523220"/>
+          </a:xfrm>
+          <a:prstGeom prst="rect">
+            <a:avLst/>
+          </a:prstGeom>
+          <a:noFill/>
+        </p:spPr>
+        <p:txBody>
+          <a:bodyPr wrap="square" rtlCol="0">
+            <a:spAutoFit/>
+          </a:bodyPr>
+          <a:lstStyle/>
+          <a:p>
+            <a:pPr algn="ctr"/>
+            <a:r>
+              <a:rPr lang="en-US" sz="1400" dirty="0">
+                <a:latin typeface="Helvetica" pitchFamily="2" charset="0"/>
+              </a:rPr>
+              <a:t>If not</a:t>
+            </a:r>
+            <a:br>
+              <a:rPr lang="en-US" sz="1400" dirty="0">
+                <a:latin typeface="Helvetica" pitchFamily="2" charset="0"/>
+              </a:rPr>
+            </a:br>
+            <a:r>
+              <a:rPr lang="en-US" sz="1400" dirty="0">
+                <a:latin typeface="Helvetica" pitchFamily="2" charset="0"/>
+              </a:rPr>
+              <a:t>sufficient</a:t>
+            </a:r>
+          </a:p>
+        </p:txBody>
+      </p:sp>
+      <p:sp>
+        <p:nvSpPr>
+          <p:cNvPr id="2" name="Rectangle 1">
+            <a:extLst>
+              <a:ext uri="{FF2B5EF4-FFF2-40B4-BE49-F238E27FC236}">
+                <a16:creationId xmlns:a16="http://schemas.microsoft.com/office/drawing/2014/main" id="{91F384FE-E6DA-574F-9621-EE71122291AF}"/>
+              </a:ext>
+            </a:extLst>
+          </p:cNvPr>
+          <p:cNvSpPr/>
+          <p:nvPr/>
+        </p:nvSpPr>
+        <p:spPr>
+          <a:xfrm>
+            <a:off x="1342784" y="588974"/>
+            <a:ext cx="1545020" cy="578069"/>
+          </a:xfrm>
+          <a:prstGeom prst="rect">
+            <a:avLst/>
+          </a:prstGeom>
+        </p:spPr>
+        <p:style>
+          <a:lnRef idx="2">
+            <a:schemeClr val="accent6">
+              <a:shade val="50000"/>
+            </a:schemeClr>
+          </a:lnRef>
+          <a:fillRef idx="1">
+            <a:schemeClr val="accent6"/>
+          </a:fillRef>
+          <a:effectRef idx="0">
+            <a:schemeClr val="accent6"/>
+          </a:effectRef>
+          <a:fontRef idx="minor">
+            <a:schemeClr val="lt1"/>
+          </a:fontRef>
+        </p:style>
+        <p:txBody>
+          <a:bodyPr rtlCol="0" anchor="ctr"/>
+          <a:lstStyle/>
+          <a:p>
+            <a:pPr algn="ctr"/>
+            <a:r>
+              <a:rPr lang="en-US" sz="1600" dirty="0">
+                <a:latin typeface="Helvetica" pitchFamily="2" charset="0"/>
+              </a:rPr>
+              <a:t>Generate LHS Patterns</a:t>
+            </a:r>
+          </a:p>
+        </p:txBody>
+      </p:sp>
+      <p:sp>
+        <p:nvSpPr>
+          <p:cNvPr id="3" name="Rectangle 2">
+            <a:extLst>
+              <a:ext uri="{FF2B5EF4-FFF2-40B4-BE49-F238E27FC236}">
+                <a16:creationId xmlns:a16="http://schemas.microsoft.com/office/drawing/2014/main" id="{30FFCFCA-3EEE-7744-A66C-973C99ED9CE8}"/>
+              </a:ext>
+            </a:extLst>
+          </p:cNvPr>
+          <p:cNvSpPr/>
+          <p:nvPr/>
+        </p:nvSpPr>
+        <p:spPr>
+          <a:xfrm>
+            <a:off x="3781184" y="585935"/>
+            <a:ext cx="1545021" cy="578069"/>
+          </a:xfrm>
+          <a:prstGeom prst="rect">
+            <a:avLst/>
+          </a:prstGeom>
+        </p:spPr>
+        <p:style>
+          <a:lnRef idx="2">
+            <a:schemeClr val="accent6">
+              <a:shade val="50000"/>
+            </a:schemeClr>
+          </a:lnRef>
+          <a:fillRef idx="1">
+            <a:schemeClr val="accent6"/>
+          </a:fillRef>
+          <a:effectRef idx="0">
+            <a:schemeClr val="accent6"/>
+          </a:effectRef>
+          <a:fontRef idx="minor">
+            <a:schemeClr val="lt1"/>
+          </a:fontRef>
+        </p:style>
+        <p:txBody>
+          <a:bodyPr rtlCol="0" anchor="ctr"/>
+          <a:lstStyle/>
+          <a:p>
+            <a:pPr algn="ctr"/>
+            <a:r>
+              <a:rPr lang="en-US" sz="1600" dirty="0" err="1">
+                <a:latin typeface="Helvetica" pitchFamily="2" charset="0"/>
+              </a:rPr>
+              <a:t>Superoptimize</a:t>
+            </a:r>
+            <a:endParaRPr lang="en-US" sz="1600" dirty="0">
+              <a:latin typeface="Helvetica" pitchFamily="2" charset="0"/>
+            </a:endParaRPr>
+          </a:p>
+        </p:txBody>
+      </p:sp>
+      <p:sp>
+        <p:nvSpPr>
+          <p:cNvPr id="4" name="Rectangle 3">
+            <a:extLst>
+              <a:ext uri="{FF2B5EF4-FFF2-40B4-BE49-F238E27FC236}">
+                <a16:creationId xmlns:a16="http://schemas.microsoft.com/office/drawing/2014/main" id="{154DAB4D-CEB2-6F45-9A46-CB09795B79BE}"/>
+              </a:ext>
+            </a:extLst>
+          </p:cNvPr>
+          <p:cNvSpPr/>
+          <p:nvPr/>
+        </p:nvSpPr>
+        <p:spPr>
+          <a:xfrm>
+            <a:off x="6219585" y="623818"/>
+            <a:ext cx="1545020" cy="578069"/>
+          </a:xfrm>
+          <a:prstGeom prst="rect">
+            <a:avLst/>
+          </a:prstGeom>
+        </p:spPr>
+        <p:style>
+          <a:lnRef idx="2">
+            <a:schemeClr val="accent6">
+              <a:shade val="50000"/>
+            </a:schemeClr>
+          </a:lnRef>
+          <a:fillRef idx="1">
+            <a:schemeClr val="accent6"/>
+          </a:fillRef>
+          <a:effectRef idx="0">
+            <a:schemeClr val="accent6"/>
+          </a:effectRef>
+          <a:fontRef idx="minor">
+            <a:schemeClr val="lt1"/>
+          </a:fontRef>
+        </p:style>
+        <p:txBody>
+          <a:bodyPr rtlCol="0" anchor="ctr"/>
+          <a:lstStyle/>
+          <a:p>
+            <a:pPr algn="ctr"/>
+            <a:r>
+              <a:rPr lang="en-US" sz="1600" dirty="0">
+                <a:latin typeface="Helvetica" pitchFamily="2" charset="0"/>
+              </a:rPr>
+              <a:t>Generalize Constants</a:t>
+            </a:r>
+          </a:p>
+        </p:txBody>
+      </p:sp>
+      <p:sp>
+        <p:nvSpPr>
+          <p:cNvPr id="5" name="Rectangle 4">
+            <a:extLst>
+              <a:ext uri="{FF2B5EF4-FFF2-40B4-BE49-F238E27FC236}">
+                <a16:creationId xmlns:a16="http://schemas.microsoft.com/office/drawing/2014/main" id="{A73BD65F-89CE-3E4F-8A97-54C754EE5FF5}"/>
+              </a:ext>
+            </a:extLst>
+          </p:cNvPr>
+          <p:cNvSpPr/>
+          <p:nvPr/>
+        </p:nvSpPr>
+        <p:spPr>
+          <a:xfrm>
+            <a:off x="8657985" y="609954"/>
+            <a:ext cx="1545020" cy="578069"/>
+          </a:xfrm>
+          <a:prstGeom prst="rect">
+            <a:avLst/>
+          </a:prstGeom>
+        </p:spPr>
+        <p:style>
+          <a:lnRef idx="2">
+            <a:schemeClr val="accent6">
+              <a:shade val="50000"/>
+            </a:schemeClr>
+          </a:lnRef>
+          <a:fillRef idx="1">
+            <a:schemeClr val="accent6"/>
+          </a:fillRef>
+          <a:effectRef idx="0">
+            <a:schemeClr val="accent6"/>
+          </a:effectRef>
+          <a:fontRef idx="minor">
+            <a:schemeClr val="lt1"/>
+          </a:fontRef>
+        </p:style>
+        <p:txBody>
+          <a:bodyPr rtlCol="0" anchor="ctr"/>
+          <a:lstStyle/>
+          <a:p>
+            <a:pPr algn="ctr"/>
+            <a:r>
+              <a:rPr lang="en-US" sz="1600" dirty="0">
+                <a:latin typeface="Helvetica" pitchFamily="2" charset="0"/>
+              </a:rPr>
+              <a:t>Filter</a:t>
+            </a:r>
+          </a:p>
+        </p:txBody>
+      </p:sp>
+      <p:cxnSp>
+        <p:nvCxnSpPr>
+          <p:cNvPr id="7" name="Straight Arrow Connector 6">
+            <a:extLst>
+              <a:ext uri="{FF2B5EF4-FFF2-40B4-BE49-F238E27FC236}">
+                <a16:creationId xmlns:a16="http://schemas.microsoft.com/office/drawing/2014/main" id="{9931C6C9-A4C5-E240-A8B0-72E5FEBB33D1}"/>
+              </a:ext>
+            </a:extLst>
+          </p:cNvPr>
+          <p:cNvCxnSpPr>
+            <a:cxnSpLocks/>
+          </p:cNvCxnSpPr>
+          <p:nvPr/>
+        </p:nvCxnSpPr>
+        <p:spPr>
+          <a:xfrm rot="16200000">
+            <a:off x="1179874" y="737975"/>
+            <a:ext cx="0" cy="325821"/>
+          </a:xfrm>
+          <a:prstGeom prst="straightConnector1">
+            <a:avLst/>
+          </a:prstGeom>
+          <a:ln w="28575">
+            <a:tailEnd type="triangle"/>
+          </a:ln>
+        </p:spPr>
+        <p:style>
+          <a:lnRef idx="1">
+            <a:schemeClr val="dk1"/>
+          </a:lnRef>
+          <a:fillRef idx="0">
+            <a:schemeClr val="dk1"/>
+          </a:fillRef>
+          <a:effectRef idx="0">
+            <a:schemeClr val="dk1"/>
+          </a:effectRef>
+          <a:fontRef idx="minor">
+            <a:schemeClr val="tx1"/>
+          </a:fontRef>
+        </p:style>
+      </p:cxnSp>
+      <p:sp>
+        <p:nvSpPr>
+          <p:cNvPr id="22" name="TextBox 21">
+            <a:extLst>
+              <a:ext uri="{FF2B5EF4-FFF2-40B4-BE49-F238E27FC236}">
+                <a16:creationId xmlns:a16="http://schemas.microsoft.com/office/drawing/2014/main" id="{938EE50F-5EB9-1C43-BF7B-78F0618F9A7D}"/>
+              </a:ext>
+            </a:extLst>
+          </p:cNvPr>
+          <p:cNvSpPr txBox="1"/>
+          <p:nvPr/>
+        </p:nvSpPr>
+        <p:spPr>
+          <a:xfrm>
+            <a:off x="96984" y="617112"/>
+            <a:ext cx="1197764" cy="584775"/>
+          </a:xfrm>
+          <a:prstGeom prst="rect">
+            <a:avLst/>
+          </a:prstGeom>
+          <a:noFill/>
+        </p:spPr>
+        <p:txBody>
+          <a:bodyPr wrap="none" rtlCol="0">
+            <a:spAutoFit/>
+          </a:bodyPr>
+          <a:lstStyle/>
+          <a:p>
+            <a:pPr algn="ctr"/>
+            <a:r>
+              <a:rPr lang="en-US" sz="1600" dirty="0">
+                <a:latin typeface="Helvetica" pitchFamily="2" charset="0"/>
+              </a:rPr>
+              <a:t>Input</a:t>
+            </a:r>
+            <a:br>
+              <a:rPr lang="en-US" sz="1600" dirty="0">
+                <a:latin typeface="Helvetica" pitchFamily="2" charset="0"/>
+              </a:rPr>
+            </a:br>
+            <a:r>
+              <a:rPr lang="en-US" sz="1600" dirty="0">
+                <a:latin typeface="Helvetica" pitchFamily="2" charset="0"/>
+              </a:rPr>
+              <a:t>Expression</a:t>
+            </a:r>
+          </a:p>
+        </p:txBody>
+      </p:sp>
+      <p:cxnSp>
+        <p:nvCxnSpPr>
+          <p:cNvPr id="23" name="Straight Arrow Connector 22">
+            <a:extLst>
+              <a:ext uri="{FF2B5EF4-FFF2-40B4-BE49-F238E27FC236}">
+                <a16:creationId xmlns:a16="http://schemas.microsoft.com/office/drawing/2014/main" id="{AA21680F-B308-9D4A-AF2D-291A90886555}"/>
+              </a:ext>
+            </a:extLst>
+          </p:cNvPr>
+          <p:cNvCxnSpPr>
+            <a:cxnSpLocks/>
+          </p:cNvCxnSpPr>
+          <p:nvPr/>
+        </p:nvCxnSpPr>
+        <p:spPr>
+          <a:xfrm rot="16200000">
+            <a:off x="3334493" y="452301"/>
+            <a:ext cx="2" cy="893379"/>
+          </a:xfrm>
+          <a:prstGeom prst="straightConnector1">
+            <a:avLst/>
+          </a:prstGeom>
+          <a:ln w="28575">
+            <a:tailEnd type="triangle"/>
+          </a:ln>
+        </p:spPr>
+        <p:style>
+          <a:lnRef idx="1">
+            <a:schemeClr val="dk1"/>
+          </a:lnRef>
+          <a:fillRef idx="0">
+            <a:schemeClr val="dk1"/>
+          </a:fillRef>
+          <a:effectRef idx="0">
+            <a:schemeClr val="dk1"/>
+          </a:effectRef>
+          <a:fontRef idx="minor">
+            <a:schemeClr val="tx1"/>
+          </a:fontRef>
+        </p:style>
+      </p:cxnSp>
+      <p:sp>
+        <p:nvSpPr>
+          <p:cNvPr id="25" name="TextBox 24">
+            <a:extLst>
+              <a:ext uri="{FF2B5EF4-FFF2-40B4-BE49-F238E27FC236}">
+                <a16:creationId xmlns:a16="http://schemas.microsoft.com/office/drawing/2014/main" id="{77394471-8238-0B4A-BBB0-4459E57E81C3}"/>
+              </a:ext>
+            </a:extLst>
+          </p:cNvPr>
+          <p:cNvSpPr txBox="1"/>
+          <p:nvPr/>
+        </p:nvSpPr>
+        <p:spPr>
+          <a:xfrm>
+            <a:off x="2719582" y="147544"/>
+            <a:ext cx="1229824" cy="523220"/>
+          </a:xfrm>
+          <a:prstGeom prst="rect">
+            <a:avLst/>
+          </a:prstGeom>
+          <a:noFill/>
+        </p:spPr>
+        <p:txBody>
+          <a:bodyPr wrap="none" rtlCol="0">
+            <a:spAutoFit/>
+          </a:bodyPr>
+          <a:lstStyle/>
+          <a:p>
+            <a:pPr algn="ctr"/>
+            <a:r>
+              <a:rPr lang="en-US" sz="1400" dirty="0">
+                <a:latin typeface="Helvetica" pitchFamily="2" charset="0"/>
+              </a:rPr>
+              <a:t>Collection of </a:t>
+            </a:r>
+            <a:br>
+              <a:rPr lang="en-US" sz="1400" dirty="0">
+                <a:latin typeface="Helvetica" pitchFamily="2" charset="0"/>
+              </a:rPr>
+            </a:br>
+            <a:r>
+              <a:rPr lang="en-US" sz="1400" dirty="0">
+                <a:latin typeface="Helvetica" pitchFamily="2" charset="0"/>
+              </a:rPr>
+              <a:t>LHS patterns</a:t>
+            </a:r>
+          </a:p>
+        </p:txBody>
+      </p:sp>
+      <p:cxnSp>
+        <p:nvCxnSpPr>
+          <p:cNvPr id="27" name="Straight Arrow Connector 26">
+            <a:extLst>
+              <a:ext uri="{FF2B5EF4-FFF2-40B4-BE49-F238E27FC236}">
+                <a16:creationId xmlns:a16="http://schemas.microsoft.com/office/drawing/2014/main" id="{2DEC7995-F6D8-9241-9BEE-4D88E1C71803}"/>
+              </a:ext>
+            </a:extLst>
+          </p:cNvPr>
+          <p:cNvCxnSpPr>
+            <a:cxnSpLocks/>
+          </p:cNvCxnSpPr>
+          <p:nvPr/>
+        </p:nvCxnSpPr>
+        <p:spPr>
+          <a:xfrm rot="16200000">
+            <a:off x="5772895" y="441796"/>
+            <a:ext cx="2" cy="893379"/>
+          </a:xfrm>
+          <a:prstGeom prst="straightConnector1">
+            <a:avLst/>
+          </a:prstGeom>
+          <a:ln w="28575">
+            <a:tailEnd type="triangle"/>
+          </a:ln>
+        </p:spPr>
+        <p:style>
+          <a:lnRef idx="1">
+            <a:schemeClr val="dk1"/>
+          </a:lnRef>
+          <a:fillRef idx="0">
+            <a:schemeClr val="dk1"/>
+          </a:fillRef>
+          <a:effectRef idx="0">
+            <a:schemeClr val="dk1"/>
+          </a:effectRef>
+          <a:fontRef idx="minor">
+            <a:schemeClr val="tx1"/>
+          </a:fontRef>
+        </p:style>
+      </p:cxnSp>
+      <p:cxnSp>
+        <p:nvCxnSpPr>
+          <p:cNvPr id="28" name="Straight Arrow Connector 27">
+            <a:extLst>
+              <a:ext uri="{FF2B5EF4-FFF2-40B4-BE49-F238E27FC236}">
+                <a16:creationId xmlns:a16="http://schemas.microsoft.com/office/drawing/2014/main" id="{2170104A-606C-CF41-A00C-6E270ADB61C4}"/>
+              </a:ext>
+            </a:extLst>
+          </p:cNvPr>
+          <p:cNvCxnSpPr>
+            <a:cxnSpLocks/>
+          </p:cNvCxnSpPr>
+          <p:nvPr/>
+        </p:nvCxnSpPr>
+        <p:spPr>
+          <a:xfrm rot="16200000">
+            <a:off x="8211294" y="454195"/>
+            <a:ext cx="2" cy="893379"/>
+          </a:xfrm>
+          <a:prstGeom prst="straightConnector1">
+            <a:avLst/>
+          </a:prstGeom>
+          <a:ln w="28575">
+            <a:tailEnd type="triangle"/>
+          </a:ln>
+        </p:spPr>
+        <p:style>
+          <a:lnRef idx="1">
+            <a:schemeClr val="dk1"/>
+          </a:lnRef>
+          <a:fillRef idx="0">
+            <a:schemeClr val="dk1"/>
+          </a:fillRef>
+          <a:effectRef idx="0">
+            <a:schemeClr val="dk1"/>
+          </a:effectRef>
+          <a:fontRef idx="minor">
+            <a:schemeClr val="tx1"/>
+          </a:fontRef>
+        </p:style>
+      </p:cxnSp>
+      <p:sp>
+        <p:nvSpPr>
+          <p:cNvPr id="29" name="TextBox 28">
+            <a:extLst>
+              <a:ext uri="{FF2B5EF4-FFF2-40B4-BE49-F238E27FC236}">
+                <a16:creationId xmlns:a16="http://schemas.microsoft.com/office/drawing/2014/main" id="{C0BA6080-D585-E348-AF0D-0CDB02739B65}"/>
+              </a:ext>
+            </a:extLst>
+          </p:cNvPr>
+          <p:cNvSpPr txBox="1"/>
+          <p:nvPr/>
+        </p:nvSpPr>
+        <p:spPr>
+          <a:xfrm>
+            <a:off x="5176555" y="144505"/>
+            <a:ext cx="1250662" cy="523220"/>
+          </a:xfrm>
+          <a:prstGeom prst="rect">
+            <a:avLst/>
+          </a:prstGeom>
+          <a:noFill/>
+        </p:spPr>
+        <p:txBody>
+          <a:bodyPr wrap="none" rtlCol="0">
+            <a:spAutoFit/>
+          </a:bodyPr>
+          <a:lstStyle/>
+          <a:p>
+            <a:pPr algn="ctr"/>
+            <a:r>
+              <a:rPr lang="en-US" sz="1400" dirty="0">
+                <a:latin typeface="Helvetica" pitchFamily="2" charset="0"/>
+              </a:rPr>
+              <a:t>Rewrites with</a:t>
+            </a:r>
+            <a:br>
+              <a:rPr lang="en-US" sz="1400" dirty="0">
+                <a:latin typeface="Helvetica" pitchFamily="2" charset="0"/>
+              </a:rPr>
+            </a:br>
+            <a:r>
+              <a:rPr lang="en-US" sz="1400" dirty="0">
+                <a:latin typeface="Helvetica" pitchFamily="2" charset="0"/>
+              </a:rPr>
+              <a:t>constants</a:t>
+            </a:r>
+          </a:p>
+        </p:txBody>
+      </p:sp>
+      <p:sp>
+        <p:nvSpPr>
+          <p:cNvPr id="30" name="TextBox 29">
+            <a:extLst>
+              <a:ext uri="{FF2B5EF4-FFF2-40B4-BE49-F238E27FC236}">
+                <a16:creationId xmlns:a16="http://schemas.microsoft.com/office/drawing/2014/main" id="{1B3646E0-B1F8-7B42-9BE5-5CCBC19F46C2}"/>
+              </a:ext>
+            </a:extLst>
+          </p:cNvPr>
+          <p:cNvSpPr txBox="1"/>
+          <p:nvPr/>
+        </p:nvSpPr>
+        <p:spPr>
+          <a:xfrm>
+            <a:off x="7601816" y="144505"/>
+            <a:ext cx="1250662" cy="523220"/>
+          </a:xfrm>
+          <a:prstGeom prst="rect">
+            <a:avLst/>
+          </a:prstGeom>
+          <a:noFill/>
+        </p:spPr>
+        <p:txBody>
+          <a:bodyPr wrap="none" rtlCol="0">
+            <a:spAutoFit/>
+          </a:bodyPr>
+          <a:lstStyle/>
+          <a:p>
+            <a:pPr algn="ctr"/>
+            <a:r>
+              <a:rPr lang="en-US" sz="1400" dirty="0">
+                <a:latin typeface="Helvetica" pitchFamily="2" charset="0"/>
+              </a:rPr>
+              <a:t>Rewrites with</a:t>
+            </a:r>
+            <a:br>
+              <a:rPr lang="en-US" sz="1400" dirty="0">
+                <a:latin typeface="Helvetica" pitchFamily="2" charset="0"/>
+              </a:rPr>
+            </a:br>
+            <a:r>
+              <a:rPr lang="en-US" sz="1400" dirty="0">
+                <a:latin typeface="Helvetica" pitchFamily="2" charset="0"/>
+              </a:rPr>
+              <a:t>predicates</a:t>
+            </a:r>
+          </a:p>
+        </p:txBody>
+      </p:sp>
+      <p:cxnSp>
+        <p:nvCxnSpPr>
+          <p:cNvPr id="32" name="Straight Arrow Connector 31">
+            <a:extLst>
+              <a:ext uri="{FF2B5EF4-FFF2-40B4-BE49-F238E27FC236}">
+                <a16:creationId xmlns:a16="http://schemas.microsoft.com/office/drawing/2014/main" id="{5FD064CF-00AE-2C45-BF77-BFCA8470B954}"/>
+              </a:ext>
+            </a:extLst>
+          </p:cNvPr>
+          <p:cNvCxnSpPr>
+            <a:cxnSpLocks/>
+          </p:cNvCxnSpPr>
+          <p:nvPr/>
+        </p:nvCxnSpPr>
+        <p:spPr>
+          <a:xfrm rot="16200000">
+            <a:off x="10365916" y="712059"/>
+            <a:ext cx="0" cy="325821"/>
+          </a:xfrm>
+          <a:prstGeom prst="straightConnector1">
+            <a:avLst/>
+          </a:prstGeom>
+          <a:ln w="28575">
+            <a:tailEnd type="triangle"/>
+          </a:ln>
+        </p:spPr>
+        <p:style>
+          <a:lnRef idx="1">
+            <a:schemeClr val="dk1"/>
+          </a:lnRef>
+          <a:fillRef idx="0">
+            <a:schemeClr val="dk1"/>
+          </a:fillRef>
+          <a:effectRef idx="0">
+            <a:schemeClr val="dk1"/>
+          </a:effectRef>
+          <a:fontRef idx="minor">
+            <a:schemeClr val="tx1"/>
+          </a:fontRef>
+        </p:style>
+      </p:cxnSp>
+      <p:sp>
+        <p:nvSpPr>
+          <p:cNvPr id="33" name="TextBox 32">
+            <a:extLst>
+              <a:ext uri="{FF2B5EF4-FFF2-40B4-BE49-F238E27FC236}">
+                <a16:creationId xmlns:a16="http://schemas.microsoft.com/office/drawing/2014/main" id="{BC560C18-4F18-BA48-82FD-B2B8A45B3EDA}"/>
+              </a:ext>
+            </a:extLst>
+          </p:cNvPr>
+          <p:cNvSpPr txBox="1"/>
+          <p:nvPr/>
+        </p:nvSpPr>
+        <p:spPr>
+          <a:xfrm>
+            <a:off x="10528827" y="579229"/>
+            <a:ext cx="651140" cy="584775"/>
+          </a:xfrm>
+          <a:prstGeom prst="rect">
+            <a:avLst/>
+          </a:prstGeom>
+          <a:noFill/>
+        </p:spPr>
+        <p:txBody>
+          <a:bodyPr wrap="none" rtlCol="0">
+            <a:spAutoFit/>
+          </a:bodyPr>
+          <a:lstStyle/>
+          <a:p>
+            <a:pPr algn="ctr"/>
+            <a:r>
+              <a:rPr lang="en-US" sz="1600" dirty="0">
+                <a:latin typeface="Helvetica" pitchFamily="2" charset="0"/>
+              </a:rPr>
+              <a:t>New </a:t>
+            </a:r>
+            <a:br>
+              <a:rPr lang="en-US" sz="1600" dirty="0">
+                <a:latin typeface="Helvetica" pitchFamily="2" charset="0"/>
+              </a:rPr>
+            </a:br>
+            <a:r>
+              <a:rPr lang="en-US" sz="1600" dirty="0">
+                <a:latin typeface="Helvetica" pitchFamily="2" charset="0"/>
+              </a:rPr>
+              <a:t>Rule</a:t>
+            </a:r>
+          </a:p>
+        </p:txBody>
+      </p:sp>
+      <p:sp>
+        <p:nvSpPr>
+          <p:cNvPr id="17" name="Rectangle 16">
+            <a:extLst>
+              <a:ext uri="{FF2B5EF4-FFF2-40B4-BE49-F238E27FC236}">
+                <a16:creationId xmlns:a16="http://schemas.microsoft.com/office/drawing/2014/main" id="{D4D3D75E-A811-D54C-B822-2362180BBF92}"/>
+              </a:ext>
+            </a:extLst>
+          </p:cNvPr>
+          <p:cNvSpPr/>
+          <p:nvPr/>
+        </p:nvSpPr>
+        <p:spPr>
+          <a:xfrm>
+            <a:off x="2719582" y="1954142"/>
+            <a:ext cx="1545021" cy="578069"/>
+          </a:xfrm>
+          <a:prstGeom prst="rect">
+            <a:avLst/>
+          </a:prstGeom>
+        </p:spPr>
+        <p:style>
+          <a:lnRef idx="2">
+            <a:schemeClr val="accent1">
+              <a:shade val="50000"/>
+            </a:schemeClr>
+          </a:lnRef>
+          <a:fillRef idx="1">
+            <a:schemeClr val="accent1"/>
+          </a:fillRef>
+          <a:effectRef idx="0">
+            <a:schemeClr val="accent1"/>
+          </a:effectRef>
+          <a:fontRef idx="minor">
+            <a:schemeClr val="lt1"/>
+          </a:fontRef>
+        </p:style>
+        <p:txBody>
+          <a:bodyPr rtlCol="0" anchor="ctr"/>
+          <a:lstStyle/>
+          <a:p>
+            <a:pPr algn="ctr"/>
+            <a:r>
+              <a:rPr lang="en-US" sz="1600" dirty="0">
+                <a:latin typeface="Helvetica" pitchFamily="2" charset="0"/>
+              </a:rPr>
+              <a:t>Clauses from Basis Vectors</a:t>
+            </a:r>
+          </a:p>
+        </p:txBody>
+      </p:sp>
+      <p:sp>
+        <p:nvSpPr>
+          <p:cNvPr id="18" name="Rectangle 17">
+            <a:extLst>
+              <a:ext uri="{FF2B5EF4-FFF2-40B4-BE49-F238E27FC236}">
+                <a16:creationId xmlns:a16="http://schemas.microsoft.com/office/drawing/2014/main" id="{6C3CE440-B491-BC44-8EB0-AC83ABB8B19D}"/>
+              </a:ext>
+            </a:extLst>
+          </p:cNvPr>
+          <p:cNvSpPr/>
+          <p:nvPr/>
+        </p:nvSpPr>
+        <p:spPr>
+          <a:xfrm>
+            <a:off x="4958461" y="1954142"/>
+            <a:ext cx="1799691" cy="578069"/>
+          </a:xfrm>
+          <a:prstGeom prst="rect">
+            <a:avLst/>
+          </a:prstGeom>
+        </p:spPr>
+        <p:style>
+          <a:lnRef idx="2">
+            <a:schemeClr val="accent1">
+              <a:shade val="50000"/>
+            </a:schemeClr>
+          </a:lnRef>
+          <a:fillRef idx="1">
+            <a:schemeClr val="accent1"/>
+          </a:fillRef>
+          <a:effectRef idx="0">
+            <a:schemeClr val="accent1"/>
+          </a:effectRef>
+          <a:fontRef idx="minor">
+            <a:schemeClr val="lt1"/>
+          </a:fontRef>
+        </p:style>
+        <p:txBody>
+          <a:bodyPr rtlCol="0" anchor="ctr"/>
+          <a:lstStyle/>
+          <a:p>
+            <a:pPr algn="ctr"/>
+            <a:r>
+              <a:rPr lang="en-US" sz="1600" dirty="0">
+                <a:latin typeface="Helvetica" pitchFamily="2" charset="0"/>
+              </a:rPr>
+              <a:t>Extend with Counterexamples</a:t>
+            </a:r>
+          </a:p>
+        </p:txBody>
+      </p:sp>
+      <p:sp>
+        <p:nvSpPr>
+          <p:cNvPr id="19" name="Rectangle 18">
+            <a:extLst>
+              <a:ext uri="{FF2B5EF4-FFF2-40B4-BE49-F238E27FC236}">
+                <a16:creationId xmlns:a16="http://schemas.microsoft.com/office/drawing/2014/main" id="{D82EA8EF-1788-464E-881C-6D492572F046}"/>
+              </a:ext>
+            </a:extLst>
+          </p:cNvPr>
+          <p:cNvSpPr/>
+          <p:nvPr/>
+        </p:nvSpPr>
+        <p:spPr>
+          <a:xfrm>
+            <a:off x="7391932" y="1888254"/>
+            <a:ext cx="1545021" cy="752254"/>
+          </a:xfrm>
+          <a:prstGeom prst="rect">
+            <a:avLst/>
+          </a:prstGeom>
+        </p:spPr>
+        <p:style>
+          <a:lnRef idx="2">
+            <a:schemeClr val="accent1">
+              <a:shade val="50000"/>
+            </a:schemeClr>
+          </a:lnRef>
+          <a:fillRef idx="1">
+            <a:schemeClr val="accent1"/>
+          </a:fillRef>
+          <a:effectRef idx="0">
+            <a:schemeClr val="accent1"/>
+          </a:effectRef>
+          <a:fontRef idx="minor">
+            <a:schemeClr val="lt1"/>
+          </a:fontRef>
+        </p:style>
+        <p:txBody>
+          <a:bodyPr rtlCol="0" anchor="ctr"/>
+          <a:lstStyle/>
+          <a:p>
+            <a:pPr algn="ctr"/>
+            <a:r>
+              <a:rPr lang="en-US" sz="1600" dirty="0">
+                <a:latin typeface="Helvetica" pitchFamily="2" charset="0"/>
+              </a:rPr>
+              <a:t>Disjunctive Subclause Search</a:t>
+            </a:r>
+          </a:p>
+        </p:txBody>
+      </p:sp>
+      <p:cxnSp>
+        <p:nvCxnSpPr>
+          <p:cNvPr id="20" name="Straight Arrow Connector 19">
+            <a:extLst>
+              <a:ext uri="{FF2B5EF4-FFF2-40B4-BE49-F238E27FC236}">
+                <a16:creationId xmlns:a16="http://schemas.microsoft.com/office/drawing/2014/main" id="{06CDAC10-CFB8-FC49-9BBF-E4530CABDA66}"/>
+              </a:ext>
+            </a:extLst>
+          </p:cNvPr>
+          <p:cNvCxnSpPr>
+            <a:cxnSpLocks/>
+            <a:endCxn id="18" idx="1"/>
+          </p:cNvCxnSpPr>
+          <p:nvPr/>
+        </p:nvCxnSpPr>
+        <p:spPr>
+          <a:xfrm>
+            <a:off x="4264603" y="2243175"/>
+            <a:ext cx="693858" cy="2"/>
+          </a:xfrm>
+          <a:prstGeom prst="straightConnector1">
+            <a:avLst/>
+          </a:prstGeom>
+          <a:ln w="28575">
+            <a:tailEnd type="triangle"/>
+          </a:ln>
+        </p:spPr>
+        <p:style>
+          <a:lnRef idx="1">
+            <a:schemeClr val="dk1"/>
+          </a:lnRef>
+          <a:fillRef idx="0">
+            <a:schemeClr val="dk1"/>
+          </a:fillRef>
+          <a:effectRef idx="0">
+            <a:schemeClr val="dk1"/>
+          </a:effectRef>
+          <a:fontRef idx="minor">
+            <a:schemeClr val="tx1"/>
+          </a:fontRef>
+        </p:style>
+      </p:cxnSp>
+      <p:cxnSp>
+        <p:nvCxnSpPr>
+          <p:cNvPr id="24" name="Straight Arrow Connector 23">
+            <a:extLst>
+              <a:ext uri="{FF2B5EF4-FFF2-40B4-BE49-F238E27FC236}">
+                <a16:creationId xmlns:a16="http://schemas.microsoft.com/office/drawing/2014/main" id="{D63A2251-3346-B140-9A34-46E2EE890BBD}"/>
+              </a:ext>
+            </a:extLst>
+          </p:cNvPr>
+          <p:cNvCxnSpPr>
+            <a:cxnSpLocks/>
+            <a:endCxn id="19" idx="1"/>
+          </p:cNvCxnSpPr>
+          <p:nvPr/>
+        </p:nvCxnSpPr>
+        <p:spPr>
+          <a:xfrm>
+            <a:off x="6758152" y="2258159"/>
+            <a:ext cx="633780" cy="6222"/>
+          </a:xfrm>
+          <a:prstGeom prst="straightConnector1">
+            <a:avLst/>
+          </a:prstGeom>
+          <a:ln w="28575">
+            <a:tailEnd type="triangle"/>
+          </a:ln>
+        </p:spPr>
+        <p:style>
+          <a:lnRef idx="1">
+            <a:schemeClr val="dk1"/>
+          </a:lnRef>
+          <a:fillRef idx="0">
+            <a:schemeClr val="dk1"/>
+          </a:fillRef>
+          <a:effectRef idx="0">
+            <a:schemeClr val="dk1"/>
+          </a:effectRef>
+          <a:fontRef idx="minor">
+            <a:schemeClr val="tx1"/>
+          </a:fontRef>
+        </p:style>
+      </p:cxnSp>
+      <p:cxnSp>
+        <p:nvCxnSpPr>
+          <p:cNvPr id="11" name="Straight Connector 10">
+            <a:extLst>
+              <a:ext uri="{FF2B5EF4-FFF2-40B4-BE49-F238E27FC236}">
+                <a16:creationId xmlns:a16="http://schemas.microsoft.com/office/drawing/2014/main" id="{3C73AC97-A13A-AE4B-8A92-F2799AA058A3}"/>
+              </a:ext>
+            </a:extLst>
+          </p:cNvPr>
+          <p:cNvCxnSpPr/>
+          <p:nvPr/>
+        </p:nvCxnSpPr>
+        <p:spPr>
+          <a:xfrm flipH="1">
+            <a:off x="2719582" y="1201887"/>
+            <a:ext cx="3500003" cy="752254"/>
+          </a:xfrm>
+          <a:prstGeom prst="line">
+            <a:avLst/>
+          </a:prstGeom>
+          <a:ln>
+            <a:solidFill>
+              <a:schemeClr val="accent1"/>
+            </a:solidFill>
+            <a:prstDash val="dash"/>
+          </a:ln>
+        </p:spPr>
+        <p:style>
+          <a:lnRef idx="1">
+            <a:schemeClr val="accent1"/>
+          </a:lnRef>
+          <a:fillRef idx="0">
+            <a:schemeClr val="accent1"/>
+          </a:fillRef>
+          <a:effectRef idx="0">
+            <a:schemeClr val="accent1"/>
+          </a:effectRef>
+          <a:fontRef idx="minor">
+            <a:schemeClr val="tx1"/>
+          </a:fontRef>
+        </p:style>
+      </p:cxnSp>
+      <p:cxnSp>
+        <p:nvCxnSpPr>
+          <p:cNvPr id="26" name="Straight Connector 25">
+            <a:extLst>
+              <a:ext uri="{FF2B5EF4-FFF2-40B4-BE49-F238E27FC236}">
+                <a16:creationId xmlns:a16="http://schemas.microsoft.com/office/drawing/2014/main" id="{6D7C712A-822C-4347-BB0F-FBB49D33C718}"/>
+              </a:ext>
+            </a:extLst>
+          </p:cNvPr>
+          <p:cNvCxnSpPr>
+            <a:cxnSpLocks/>
+          </p:cNvCxnSpPr>
+          <p:nvPr/>
+        </p:nvCxnSpPr>
+        <p:spPr>
+          <a:xfrm>
+            <a:off x="7764605" y="1212392"/>
+            <a:ext cx="977756" cy="703866"/>
+          </a:xfrm>
+          <a:prstGeom prst="line">
+            <a:avLst/>
+          </a:prstGeom>
+          <a:ln>
+            <a:solidFill>
+              <a:schemeClr val="accent1"/>
+            </a:solidFill>
+            <a:prstDash val="dash"/>
+          </a:ln>
+        </p:spPr>
+        <p:style>
+          <a:lnRef idx="1">
+            <a:schemeClr val="accent1"/>
+          </a:lnRef>
+          <a:fillRef idx="0">
+            <a:schemeClr val="accent1"/>
+          </a:fillRef>
+          <a:effectRef idx="0">
+            <a:schemeClr val="accent1"/>
+          </a:effectRef>
+          <a:fontRef idx="minor">
+            <a:schemeClr val="tx1"/>
+          </a:fontRef>
+        </p:style>
+      </p:cxnSp>
+      <p:sp>
+        <p:nvSpPr>
+          <p:cNvPr id="31" name="TextBox 30">
+            <a:extLst>
+              <a:ext uri="{FF2B5EF4-FFF2-40B4-BE49-F238E27FC236}">
+                <a16:creationId xmlns:a16="http://schemas.microsoft.com/office/drawing/2014/main" id="{0C39DF8D-6457-834E-A814-4EAC1E50E200}"/>
+              </a:ext>
+            </a:extLst>
+          </p:cNvPr>
+          <p:cNvSpPr txBox="1"/>
+          <p:nvPr/>
+        </p:nvSpPr>
+        <p:spPr>
+          <a:xfrm>
+            <a:off x="4167308" y="2226693"/>
+            <a:ext cx="888449" cy="523220"/>
+          </a:xfrm>
+          <a:prstGeom prst="rect">
+            <a:avLst/>
+          </a:prstGeom>
+          <a:noFill/>
+        </p:spPr>
+        <p:txBody>
+          <a:bodyPr wrap="square" rtlCol="0">
+            <a:spAutoFit/>
+          </a:bodyPr>
+          <a:lstStyle/>
+          <a:p>
+            <a:pPr algn="ctr"/>
+            <a:r>
+              <a:rPr lang="en-US" sz="1400" dirty="0">
+                <a:latin typeface="Helvetica" pitchFamily="2" charset="0"/>
+              </a:rPr>
+              <a:t>If not</a:t>
+            </a:r>
+            <a:br>
+              <a:rPr lang="en-US" sz="1400" dirty="0">
+                <a:latin typeface="Helvetica" pitchFamily="2" charset="0"/>
+              </a:rPr>
+            </a:br>
+            <a:r>
+              <a:rPr lang="en-US" sz="1400" dirty="0">
+                <a:latin typeface="Helvetica" pitchFamily="2" charset="0"/>
+              </a:rPr>
+              <a:t>sufficient</a:t>
+            </a:r>
+          </a:p>
+        </p:txBody>
+      </p:sp>
+    </p:spTree>
+    <p:extLst>
+      <p:ext uri="{BB962C8B-B14F-4D97-AF65-F5344CB8AC3E}">
+        <p14:creationId xmlns:p14="http://schemas.microsoft.com/office/powerpoint/2010/main" val="1688753488"/>
       </p:ext>
     </p:extLst>
   </p:cSld>
